--- a/Projeto_Projetos/_imagens/Plano de Fundo.pptx
+++ b/Projeto_Projetos/_imagens/Plano de Fundo.pptx
@@ -105,6 +105,11 @@
       </a:defRPr>
     </a:lvl9pPr>
   </p:defaultTextStyle>
+  <p:extLst>
+    <p:ext uri="{EFAFB233-063F-42B5-8137-9DF3F51BA10A}">
+      <p15:sldGuideLst xmlns:p15="http://schemas.microsoft.com/office/powerpoint/2012/main"/>
+    </p:ext>
+  </p:extLst>
 </p:presentation>
 </file>
 
@@ -571,7 +576,7 @@
           <a:p>
             <a:fld id="{DBADE11C-9891-4199-AFAD-EB2D7CC571E9}" type="datetimeFigureOut">
               <a:rPr lang="pt-BR" smtClean="0"/>
-              <a:t>23/04/2021</a:t>
+              <a:t>26/07/2023</a:t>
             </a:fld>
             <a:endParaRPr lang="pt-BR"/>
           </a:p>
@@ -769,7 +774,7 @@
           <a:p>
             <a:fld id="{DBADE11C-9891-4199-AFAD-EB2D7CC571E9}" type="datetimeFigureOut">
               <a:rPr lang="pt-BR" smtClean="0"/>
-              <a:t>23/04/2021</a:t>
+              <a:t>26/07/2023</a:t>
             </a:fld>
             <a:endParaRPr lang="pt-BR"/>
           </a:p>
@@ -977,7 +982,7 @@
           <a:p>
             <a:fld id="{DBADE11C-9891-4199-AFAD-EB2D7CC571E9}" type="datetimeFigureOut">
               <a:rPr lang="pt-BR" smtClean="0"/>
-              <a:t>23/04/2021</a:t>
+              <a:t>26/07/2023</a:t>
             </a:fld>
             <a:endParaRPr lang="pt-BR"/>
           </a:p>
@@ -1175,7 +1180,7 @@
           <a:p>
             <a:fld id="{DBADE11C-9891-4199-AFAD-EB2D7CC571E9}" type="datetimeFigureOut">
               <a:rPr lang="pt-BR" smtClean="0"/>
-              <a:t>23/04/2021</a:t>
+              <a:t>26/07/2023</a:t>
             </a:fld>
             <a:endParaRPr lang="pt-BR"/>
           </a:p>
@@ -1450,7 +1455,7 @@
           <a:p>
             <a:fld id="{DBADE11C-9891-4199-AFAD-EB2D7CC571E9}" type="datetimeFigureOut">
               <a:rPr lang="pt-BR" smtClean="0"/>
-              <a:t>23/04/2021</a:t>
+              <a:t>26/07/2023</a:t>
             </a:fld>
             <a:endParaRPr lang="pt-BR"/>
           </a:p>
@@ -1715,7 +1720,7 @@
           <a:p>
             <a:fld id="{DBADE11C-9891-4199-AFAD-EB2D7CC571E9}" type="datetimeFigureOut">
               <a:rPr lang="pt-BR" smtClean="0"/>
-              <a:t>23/04/2021</a:t>
+              <a:t>26/07/2023</a:t>
             </a:fld>
             <a:endParaRPr lang="pt-BR"/>
           </a:p>
@@ -2127,7 +2132,7 @@
           <a:p>
             <a:fld id="{DBADE11C-9891-4199-AFAD-EB2D7CC571E9}" type="datetimeFigureOut">
               <a:rPr lang="pt-BR" smtClean="0"/>
-              <a:t>23/04/2021</a:t>
+              <a:t>26/07/2023</a:t>
             </a:fld>
             <a:endParaRPr lang="pt-BR"/>
           </a:p>
@@ -2268,7 +2273,7 @@
           <a:p>
             <a:fld id="{DBADE11C-9891-4199-AFAD-EB2D7CC571E9}" type="datetimeFigureOut">
               <a:rPr lang="pt-BR" smtClean="0"/>
-              <a:t>23/04/2021</a:t>
+              <a:t>26/07/2023</a:t>
             </a:fld>
             <a:endParaRPr lang="pt-BR"/>
           </a:p>
@@ -2381,7 +2386,7 @@
           <a:p>
             <a:fld id="{DBADE11C-9891-4199-AFAD-EB2D7CC571E9}" type="datetimeFigureOut">
               <a:rPr lang="pt-BR" smtClean="0"/>
-              <a:t>23/04/2021</a:t>
+              <a:t>26/07/2023</a:t>
             </a:fld>
             <a:endParaRPr lang="pt-BR"/>
           </a:p>
@@ -2692,7 +2697,7 @@
           <a:p>
             <a:fld id="{DBADE11C-9891-4199-AFAD-EB2D7CC571E9}" type="datetimeFigureOut">
               <a:rPr lang="pt-BR" smtClean="0"/>
-              <a:t>23/04/2021</a:t>
+              <a:t>26/07/2023</a:t>
             </a:fld>
             <a:endParaRPr lang="pt-BR"/>
           </a:p>
@@ -2980,7 +2985,7 @@
           <a:p>
             <a:fld id="{DBADE11C-9891-4199-AFAD-EB2D7CC571E9}" type="datetimeFigureOut">
               <a:rPr lang="pt-BR" smtClean="0"/>
-              <a:t>23/04/2021</a:t>
+              <a:t>26/07/2023</a:t>
             </a:fld>
             <a:endParaRPr lang="pt-BR"/>
           </a:p>
@@ -3221,7 +3226,7 @@
           <a:p>
             <a:fld id="{DBADE11C-9891-4199-AFAD-EB2D7CC571E9}" type="datetimeFigureOut">
               <a:rPr lang="pt-BR" smtClean="0"/>
-              <a:t>23/04/2021</a:t>
+              <a:t>26/07/2023</a:t>
             </a:fld>
             <a:endParaRPr lang="pt-BR"/>
           </a:p>
@@ -3624,6 +3629,14 @@
 <file path=ppt/slides/slide1.xml><?xml version="1.0" encoding="utf-8"?>
 <p:sld xmlns:a="http://schemas.openxmlformats.org/drawingml/2006/main" xmlns:r="http://schemas.openxmlformats.org/officeDocument/2006/relationships" xmlns:p="http://schemas.openxmlformats.org/presentationml/2006/main">
   <p:cSld>
+    <p:bg>
+      <p:bgPr>
+        <a:solidFill>
+          <a:srgbClr val="F5EDC7"/>
+        </a:solidFill>
+        <a:effectLst/>
+      </p:bgPr>
+    </p:bg>
     <p:spTree>
       <p:nvGrpSpPr>
         <p:cNvPr id="1" name=""/>
@@ -3640,105 +3653,19 @@
       </p:grpSpPr>
       <p:sp>
         <p:nvSpPr>
-          <p:cNvPr id="2" name="Título 1">
-            <a:extLst>
-              <a:ext uri="{FF2B5EF4-FFF2-40B4-BE49-F238E27FC236}">
-                <a16:creationId xmlns:a16="http://schemas.microsoft.com/office/drawing/2014/main" id="{C2EB21EA-4862-4991-B941-A66CBCDF4020}"/>
-              </a:ext>
-            </a:extLst>
-          </p:cNvPr>
-          <p:cNvSpPr>
-            <a:spLocks noGrp="1"/>
-          </p:cNvSpPr>
-          <p:nvPr>
-            <p:ph type="ctrTitle"/>
-          </p:nvPr>
-        </p:nvSpPr>
-        <p:spPr/>
-        <p:txBody>
-          <a:bodyPr/>
-          <a:lstStyle/>
-          <a:p>
-            <a:endParaRPr lang="pt-BR"/>
-          </a:p>
-        </p:txBody>
-      </p:sp>
-      <p:sp>
-        <p:nvSpPr>
-          <p:cNvPr id="3" name="Subtítulo 2">
-            <a:extLst>
-              <a:ext uri="{FF2B5EF4-FFF2-40B4-BE49-F238E27FC236}">
-                <a16:creationId xmlns:a16="http://schemas.microsoft.com/office/drawing/2014/main" id="{D3C857F3-BD52-4AD6-B828-7F3B5F6EE80D}"/>
-              </a:ext>
-            </a:extLst>
-          </p:cNvPr>
-          <p:cNvSpPr>
-            <a:spLocks noGrp="1"/>
-          </p:cNvSpPr>
-          <p:nvPr>
-            <p:ph type="subTitle" idx="1"/>
-          </p:nvPr>
-        </p:nvSpPr>
-        <p:spPr/>
-        <p:txBody>
-          <a:bodyPr/>
-          <a:lstStyle/>
-          <a:p>
-            <a:endParaRPr lang="pt-BR"/>
-          </a:p>
-        </p:txBody>
-      </p:sp>
-      <p:pic>
-        <p:nvPicPr>
-          <p:cNvPr id="5" name="Imagem 4">
-            <a:extLst>
-              <a:ext uri="{FF2B5EF4-FFF2-40B4-BE49-F238E27FC236}">
-                <a16:creationId xmlns:a16="http://schemas.microsoft.com/office/drawing/2014/main" id="{7977A1DE-0557-41F9-AE9D-E56D845E2393}"/>
-              </a:ext>
-            </a:extLst>
-          </p:cNvPr>
-          <p:cNvPicPr>
-            <a:picLocks noChangeAspect="1"/>
-          </p:cNvPicPr>
+          <p:cNvPr id="6" name="Retângulo: Cantos Arredondados 5">
+            <a:extLst>
+              <a:ext uri="{FF2B5EF4-FFF2-40B4-BE49-F238E27FC236}">
+                <a16:creationId xmlns:a16="http://schemas.microsoft.com/office/drawing/2014/main" id="{F691600A-A58D-4494-8803-BE63D85D45F2}"/>
+              </a:ext>
+            </a:extLst>
+          </p:cNvPr>
+          <p:cNvSpPr/>
           <p:nvPr/>
-        </p:nvPicPr>
-        <p:blipFill>
-          <a:blip r:embed="rId2">
-            <a:extLst>
-              <a:ext uri="{28A0092B-C50C-407E-A947-70E740481C1C}">
-                <a14:useLocalDpi xmlns:a14="http://schemas.microsoft.com/office/drawing/2010/main" val="0"/>
-              </a:ext>
-            </a:extLst>
-          </a:blip>
-          <a:stretch>
-            <a:fillRect/>
-          </a:stretch>
-        </p:blipFill>
+        </p:nvSpPr>
         <p:spPr>
           <a:xfrm>
-            <a:off x="0" y="0"/>
-            <a:ext cx="12192000" cy="6858000"/>
-          </a:xfrm>
-          <a:prstGeom prst="rect">
-            <a:avLst/>
-          </a:prstGeom>
-        </p:spPr>
-      </p:pic>
-      <p:sp>
-        <p:nvSpPr>
-          <p:cNvPr id="6" name="Retângulo: Cantos Arredondados 5">
-            <a:extLst>
-              <a:ext uri="{FF2B5EF4-FFF2-40B4-BE49-F238E27FC236}">
-                <a16:creationId xmlns:a16="http://schemas.microsoft.com/office/drawing/2014/main" id="{F691600A-A58D-4494-8803-BE63D85D45F2}"/>
-              </a:ext>
-            </a:extLst>
-          </p:cNvPr>
-          <p:cNvSpPr/>
-          <p:nvPr/>
-        </p:nvSpPr>
-        <p:spPr>
-          <a:xfrm>
-            <a:off x="162409" y="227831"/>
+            <a:off x="162409" y="1243747"/>
             <a:ext cx="1638732" cy="643466"/>
           </a:xfrm>
           <a:prstGeom prst="roundRect">
@@ -3746,42 +3673,30 @@
               <a:gd name="adj" fmla="val 7456"/>
             </a:avLst>
           </a:prstGeom>
-          <a:gradFill flip="none" rotWithShape="1">
-            <a:gsLst>
-              <a:gs pos="0">
-                <a:srgbClr val="246360">
-                  <a:shade val="30000"/>
-                  <a:satMod val="115000"/>
-                </a:srgbClr>
-              </a:gs>
-              <a:gs pos="50000">
-                <a:srgbClr val="246360">
-                  <a:shade val="67500"/>
-                  <a:satMod val="115000"/>
-                </a:srgbClr>
-              </a:gs>
-              <a:gs pos="100000">
-                <a:srgbClr val="246360">
-                  <a:shade val="100000"/>
-                  <a:satMod val="115000"/>
-                </a:srgbClr>
-              </a:gs>
-            </a:gsLst>
-            <a:path path="circle">
-              <a:fillToRect l="100000" t="100000"/>
-            </a:path>
-            <a:tileRect r="-100000" b="-100000"/>
-          </a:gradFill>
+          <a:solidFill>
+            <a:srgbClr val="E5D7AD"/>
+          </a:solidFill>
           <a:ln>
             <a:noFill/>
           </a:ln>
           <a:effectLst>
-            <a:outerShdw blurRad="50800" dist="38100" dir="2700000" algn="tl" rotWithShape="0">
-              <a:prstClr val="black">
-                <a:alpha val="40000"/>
-              </a:prstClr>
+            <a:outerShdw blurRad="44450" dist="27940" dir="5400000" algn="ctr">
+              <a:srgbClr val="000000">
+                <a:alpha val="32000"/>
+              </a:srgbClr>
             </a:outerShdw>
           </a:effectLst>
+          <a:scene3d>
+            <a:camera prst="orthographicFront">
+              <a:rot lat="0" lon="0" rev="0"/>
+            </a:camera>
+            <a:lightRig rig="balanced" dir="t">
+              <a:rot lat="0" lon="0" rev="8700000"/>
+            </a:lightRig>
+          </a:scene3d>
+          <a:sp3d>
+            <a:bevelT w="190500" h="38100"/>
+          </a:sp3d>
         </p:spPr>
         <p:style>
           <a:lnRef idx="2">
@@ -3822,7 +3737,7 @@
         </p:nvSpPr>
         <p:spPr>
           <a:xfrm>
-            <a:off x="1999622" y="237067"/>
+            <a:off x="2017229" y="1243747"/>
             <a:ext cx="1863376" cy="643466"/>
           </a:xfrm>
           <a:prstGeom prst="roundRect">
@@ -3830,38 +3745,30 @@
               <a:gd name="adj" fmla="val 7456"/>
             </a:avLst>
           </a:prstGeom>
-          <a:gradFill>
-            <a:gsLst>
-              <a:gs pos="0">
-                <a:srgbClr val="246360">
-                  <a:shade val="30000"/>
-                  <a:satMod val="115000"/>
-                </a:srgbClr>
-              </a:gs>
-              <a:gs pos="41000">
-                <a:srgbClr val="00504A"/>
-              </a:gs>
-              <a:gs pos="100000">
-                <a:srgbClr val="246360">
-                  <a:shade val="100000"/>
-                  <a:satMod val="115000"/>
-                </a:srgbClr>
-              </a:gs>
-            </a:gsLst>
-            <a:path path="circle">
-              <a:fillToRect l="100000" t="100000"/>
-            </a:path>
-          </a:gradFill>
+          <a:solidFill>
+            <a:srgbClr val="E5D7AD"/>
+          </a:solidFill>
           <a:ln>
             <a:noFill/>
           </a:ln>
           <a:effectLst>
-            <a:outerShdw blurRad="50800" dist="38100" dir="2700000" algn="tl" rotWithShape="0">
-              <a:prstClr val="black">
-                <a:alpha val="40000"/>
-              </a:prstClr>
+            <a:outerShdw blurRad="44450" dist="27940" dir="5400000" algn="ctr">
+              <a:srgbClr val="000000">
+                <a:alpha val="32000"/>
+              </a:srgbClr>
             </a:outerShdw>
           </a:effectLst>
+          <a:scene3d>
+            <a:camera prst="orthographicFront">
+              <a:rot lat="0" lon="0" rev="0"/>
+            </a:camera>
+            <a:lightRig rig="balanced" dir="t">
+              <a:rot lat="0" lon="0" rev="8700000"/>
+            </a:lightRig>
+          </a:scene3d>
+          <a:sp3d>
+            <a:bevelT w="190500" h="38100"/>
+          </a:sp3d>
         </p:spPr>
         <p:style>
           <a:lnRef idx="2">
@@ -3902,7 +3809,7 @@
         </p:nvSpPr>
         <p:spPr>
           <a:xfrm>
-            <a:off x="4061479" y="237067"/>
+            <a:off x="4096693" y="1243747"/>
             <a:ext cx="1700110" cy="643466"/>
           </a:xfrm>
           <a:prstGeom prst="roundRect">
@@ -3910,42 +3817,30 @@
               <a:gd name="adj" fmla="val 7456"/>
             </a:avLst>
           </a:prstGeom>
-          <a:gradFill flip="none" rotWithShape="1">
-            <a:gsLst>
-              <a:gs pos="0">
-                <a:srgbClr val="246360">
-                  <a:shade val="30000"/>
-                  <a:satMod val="115000"/>
-                </a:srgbClr>
-              </a:gs>
-              <a:gs pos="50000">
-                <a:srgbClr val="246360">
-                  <a:shade val="67500"/>
-                  <a:satMod val="115000"/>
-                </a:srgbClr>
-              </a:gs>
-              <a:gs pos="100000">
-                <a:srgbClr val="246360">
-                  <a:shade val="100000"/>
-                  <a:satMod val="115000"/>
-                </a:srgbClr>
-              </a:gs>
-            </a:gsLst>
-            <a:path path="circle">
-              <a:fillToRect l="100000" t="100000"/>
-            </a:path>
-            <a:tileRect r="-100000" b="-100000"/>
-          </a:gradFill>
+          <a:solidFill>
+            <a:srgbClr val="E5D7AD"/>
+          </a:solidFill>
           <a:ln>
             <a:noFill/>
           </a:ln>
           <a:effectLst>
-            <a:outerShdw blurRad="50800" dist="38100" dir="2700000" algn="tl" rotWithShape="0">
-              <a:prstClr val="black">
-                <a:alpha val="40000"/>
-              </a:prstClr>
+            <a:outerShdw blurRad="44450" dist="27940" dir="5400000" algn="ctr">
+              <a:srgbClr val="000000">
+                <a:alpha val="32000"/>
+              </a:srgbClr>
             </a:outerShdw>
           </a:effectLst>
+          <a:scene3d>
+            <a:camera prst="orthographicFront">
+              <a:rot lat="0" lon="0" rev="0"/>
+            </a:camera>
+            <a:lightRig rig="balanced" dir="t">
+              <a:rot lat="0" lon="0" rev="8700000"/>
+            </a:lightRig>
+          </a:scene3d>
+          <a:sp3d>
+            <a:bevelT w="190500" h="38100"/>
+          </a:sp3d>
         </p:spPr>
         <p:style>
           <a:lnRef idx="2">
@@ -3986,7 +3881,7 @@
         </p:nvSpPr>
         <p:spPr>
           <a:xfrm>
-            <a:off x="5960070" y="237067"/>
+            <a:off x="5995284" y="1243747"/>
             <a:ext cx="1872000" cy="643466"/>
           </a:xfrm>
           <a:prstGeom prst="roundRect">
@@ -3994,42 +3889,30 @@
               <a:gd name="adj" fmla="val 7456"/>
             </a:avLst>
           </a:prstGeom>
-          <a:gradFill flip="none" rotWithShape="1">
-            <a:gsLst>
-              <a:gs pos="0">
-                <a:srgbClr val="246360">
-                  <a:shade val="30000"/>
-                  <a:satMod val="115000"/>
-                </a:srgbClr>
-              </a:gs>
-              <a:gs pos="50000">
-                <a:srgbClr val="246360">
-                  <a:shade val="67500"/>
-                  <a:satMod val="115000"/>
-                </a:srgbClr>
-              </a:gs>
-              <a:gs pos="100000">
-                <a:srgbClr val="246360">
-                  <a:shade val="100000"/>
-                  <a:satMod val="115000"/>
-                </a:srgbClr>
-              </a:gs>
-            </a:gsLst>
-            <a:path path="circle">
-              <a:fillToRect l="100000" t="100000"/>
-            </a:path>
-            <a:tileRect r="-100000" b="-100000"/>
-          </a:gradFill>
+          <a:solidFill>
+            <a:srgbClr val="E5D7AD"/>
+          </a:solidFill>
           <a:ln>
             <a:noFill/>
           </a:ln>
           <a:effectLst>
-            <a:outerShdw blurRad="50800" dist="38100" dir="2700000" algn="tl" rotWithShape="0">
-              <a:prstClr val="black">
-                <a:alpha val="40000"/>
-              </a:prstClr>
+            <a:outerShdw blurRad="44450" dist="27940" dir="5400000" algn="ctr">
+              <a:srgbClr val="000000">
+                <a:alpha val="32000"/>
+              </a:srgbClr>
             </a:outerShdw>
           </a:effectLst>
+          <a:scene3d>
+            <a:camera prst="orthographicFront">
+              <a:rot lat="0" lon="0" rev="0"/>
+            </a:camera>
+            <a:lightRig rig="balanced" dir="t">
+              <a:rot lat="0" lon="0" rev="8700000"/>
+            </a:lightRig>
+          </a:scene3d>
+          <a:sp3d>
+            <a:bevelT w="190500" h="38100"/>
+          </a:sp3d>
         </p:spPr>
         <p:style>
           <a:lnRef idx="2">
@@ -4070,7 +3953,7 @@
         </p:nvSpPr>
         <p:spPr>
           <a:xfrm>
-            <a:off x="8030551" y="237067"/>
+            <a:off x="8052914" y="1243747"/>
             <a:ext cx="1914815" cy="643466"/>
           </a:xfrm>
           <a:prstGeom prst="roundRect">
@@ -4078,42 +3961,30 @@
               <a:gd name="adj" fmla="val 7456"/>
             </a:avLst>
           </a:prstGeom>
-          <a:gradFill flip="none" rotWithShape="1">
-            <a:gsLst>
-              <a:gs pos="0">
-                <a:srgbClr val="246360">
-                  <a:shade val="30000"/>
-                  <a:satMod val="115000"/>
-                </a:srgbClr>
-              </a:gs>
-              <a:gs pos="50000">
-                <a:srgbClr val="246360">
-                  <a:shade val="67500"/>
-                  <a:satMod val="115000"/>
-                </a:srgbClr>
-              </a:gs>
-              <a:gs pos="100000">
-                <a:srgbClr val="246360">
-                  <a:shade val="100000"/>
-                  <a:satMod val="115000"/>
-                </a:srgbClr>
-              </a:gs>
-            </a:gsLst>
-            <a:path path="circle">
-              <a:fillToRect l="100000" t="100000"/>
-            </a:path>
-            <a:tileRect r="-100000" b="-100000"/>
-          </a:gradFill>
+          <a:solidFill>
+            <a:srgbClr val="E5D7AD"/>
+          </a:solidFill>
           <a:ln>
             <a:noFill/>
           </a:ln>
           <a:effectLst>
-            <a:outerShdw blurRad="50800" dist="38100" dir="2700000" algn="tl" rotWithShape="0">
-              <a:prstClr val="black">
-                <a:alpha val="40000"/>
-              </a:prstClr>
+            <a:outerShdw blurRad="44450" dist="27940" dir="5400000" algn="ctr">
+              <a:srgbClr val="000000">
+                <a:alpha val="32000"/>
+              </a:srgbClr>
             </a:outerShdw>
           </a:effectLst>
+          <a:scene3d>
+            <a:camera prst="orthographicFront">
+              <a:rot lat="0" lon="0" rev="0"/>
+            </a:camera>
+            <a:lightRig rig="balanced" dir="t">
+              <a:rot lat="0" lon="0" rev="8700000"/>
+            </a:lightRig>
+          </a:scene3d>
+          <a:sp3d>
+            <a:bevelT w="190500" h="38100"/>
+          </a:sp3d>
         </p:spPr>
         <p:style>
           <a:lnRef idx="2">
@@ -4154,7 +4025,7 @@
         </p:nvSpPr>
         <p:spPr>
           <a:xfrm>
-            <a:off x="10143847" y="237067"/>
+            <a:off x="10142961" y="1243747"/>
             <a:ext cx="1872000" cy="643466"/>
           </a:xfrm>
           <a:prstGeom prst="roundRect">
@@ -4162,42 +4033,30 @@
               <a:gd name="adj" fmla="val 7456"/>
             </a:avLst>
           </a:prstGeom>
-          <a:gradFill flip="none" rotWithShape="1">
-            <a:gsLst>
-              <a:gs pos="0">
-                <a:srgbClr val="246360">
-                  <a:shade val="30000"/>
-                  <a:satMod val="115000"/>
-                </a:srgbClr>
-              </a:gs>
-              <a:gs pos="50000">
-                <a:srgbClr val="246360">
-                  <a:shade val="67500"/>
-                  <a:satMod val="115000"/>
-                </a:srgbClr>
-              </a:gs>
-              <a:gs pos="100000">
-                <a:srgbClr val="246360">
-                  <a:shade val="100000"/>
-                  <a:satMod val="115000"/>
-                </a:srgbClr>
-              </a:gs>
-            </a:gsLst>
-            <a:path path="circle">
-              <a:fillToRect l="100000" t="100000"/>
-            </a:path>
-            <a:tileRect r="-100000" b="-100000"/>
-          </a:gradFill>
+          <a:solidFill>
+            <a:srgbClr val="E5D7AD"/>
+          </a:solidFill>
           <a:ln>
             <a:noFill/>
           </a:ln>
           <a:effectLst>
-            <a:outerShdw blurRad="50800" dist="38100" dir="2700000" algn="tl" rotWithShape="0">
-              <a:prstClr val="black">
-                <a:alpha val="40000"/>
-              </a:prstClr>
+            <a:outerShdw blurRad="44450" dist="27940" dir="5400000" algn="ctr">
+              <a:srgbClr val="000000">
+                <a:alpha val="32000"/>
+              </a:srgbClr>
             </a:outerShdw>
           </a:effectLst>
+          <a:scene3d>
+            <a:camera prst="orthographicFront">
+              <a:rot lat="0" lon="0" rev="0"/>
+            </a:camera>
+            <a:lightRig rig="balanced" dir="t">
+              <a:rot lat="0" lon="0" rev="8700000"/>
+            </a:lightRig>
+          </a:scene3d>
+          <a:sp3d>
+            <a:bevelT w="190500" h="38100"/>
+          </a:sp3d>
         </p:spPr>
         <p:style>
           <a:lnRef idx="2">
@@ -4239,8 +4098,24 @@
           <p:nvPr/>
         </p:nvPicPr>
         <p:blipFill>
-          <a:blip r:embed="rId3">
-            <a:extLst>
+          <a:blip r:embed="rId2">
+            <a:duotone>
+              <a:prstClr val="black"/>
+              <a:srgbClr val="AD070C">
+                <a:tint val="45000"/>
+                <a:satMod val="400000"/>
+              </a:srgbClr>
+            </a:duotone>
+            <a:extLst>
+              <a:ext uri="{BEBA8EAE-BF5A-486C-A8C5-ECC9F3942E4B}">
+                <a14:imgProps xmlns:a14="http://schemas.microsoft.com/office/drawing/2010/main">
+                  <a14:imgLayer r:embed="rId3">
+                    <a14:imgEffect>
+                      <a14:brightnessContrast bright="-40000" contrast="-40000"/>
+                    </a14:imgEffect>
+                  </a14:imgLayer>
+                </a14:imgProps>
+              </a:ext>
               <a:ext uri="{28A0092B-C50C-407E-A947-70E740481C1C}">
                 <a14:useLocalDpi xmlns:a14="http://schemas.microsoft.com/office/drawing/2010/main" val="0"/>
               </a:ext>
@@ -4252,7 +4127,7 @@
         </p:blipFill>
         <p:spPr>
           <a:xfrm>
-            <a:off x="217316" y="328046"/>
+            <a:off x="258726" y="1343962"/>
             <a:ext cx="443036" cy="443036"/>
           </a:xfrm>
           <a:prstGeom prst="rect">
@@ -4276,7 +4151,23 @@
         </p:nvPicPr>
         <p:blipFill>
           <a:blip r:embed="rId4">
-            <a:extLst>
+            <a:duotone>
+              <a:prstClr val="black"/>
+              <a:srgbClr val="AD070C">
+                <a:tint val="45000"/>
+                <a:satMod val="400000"/>
+              </a:srgbClr>
+            </a:duotone>
+            <a:extLst>
+              <a:ext uri="{BEBA8EAE-BF5A-486C-A8C5-ECC9F3942E4B}">
+                <a14:imgProps xmlns:a14="http://schemas.microsoft.com/office/drawing/2010/main">
+                  <a14:imgLayer r:embed="rId5">
+                    <a14:imgEffect>
+                      <a14:brightnessContrast bright="-40000" contrast="-40000"/>
+                    </a14:imgEffect>
+                  </a14:imgLayer>
+                </a14:imgProps>
+              </a:ext>
               <a:ext uri="{28A0092B-C50C-407E-A947-70E740481C1C}">
                 <a14:useLocalDpi xmlns:a14="http://schemas.microsoft.com/office/drawing/2010/main" val="0"/>
               </a:ext>
@@ -4288,7 +4179,7 @@
         </p:blipFill>
         <p:spPr>
           <a:xfrm>
-            <a:off x="2050601" y="367295"/>
+            <a:off x="2103698" y="1390015"/>
             <a:ext cx="420460" cy="420460"/>
           </a:xfrm>
           <a:prstGeom prst="rect">
@@ -4311,8 +4202,24 @@
           <p:nvPr/>
         </p:nvPicPr>
         <p:blipFill>
-          <a:blip r:embed="rId5">
-            <a:extLst>
+          <a:blip r:embed="rId6">
+            <a:duotone>
+              <a:prstClr val="black"/>
+              <a:srgbClr val="AD070C">
+                <a:tint val="45000"/>
+                <a:satMod val="400000"/>
+              </a:srgbClr>
+            </a:duotone>
+            <a:extLst>
+              <a:ext uri="{BEBA8EAE-BF5A-486C-A8C5-ECC9F3942E4B}">
+                <a14:imgProps xmlns:a14="http://schemas.microsoft.com/office/drawing/2010/main">
+                  <a14:imgLayer r:embed="rId7">
+                    <a14:imgEffect>
+                      <a14:brightnessContrast bright="-40000" contrast="-40000"/>
+                    </a14:imgEffect>
+                  </a14:imgLayer>
+                </a14:imgProps>
+              </a:ext>
               <a:ext uri="{28A0092B-C50C-407E-A947-70E740481C1C}">
                 <a14:useLocalDpi xmlns:a14="http://schemas.microsoft.com/office/drawing/2010/main" val="0"/>
               </a:ext>
@@ -4324,7 +4231,7 @@
         </p:blipFill>
         <p:spPr>
           <a:xfrm>
-            <a:off x="4117192" y="336124"/>
+            <a:off x="4161767" y="1349431"/>
             <a:ext cx="451631" cy="451631"/>
           </a:xfrm>
           <a:prstGeom prst="rect">
@@ -4347,8 +4254,24 @@
           <p:nvPr/>
         </p:nvPicPr>
         <p:blipFill>
-          <a:blip r:embed="rId6">
-            <a:extLst>
+          <a:blip r:embed="rId8">
+            <a:duotone>
+              <a:prstClr val="black"/>
+              <a:srgbClr val="AD070C">
+                <a:tint val="45000"/>
+                <a:satMod val="400000"/>
+              </a:srgbClr>
+            </a:duotone>
+            <a:extLst>
+              <a:ext uri="{BEBA8EAE-BF5A-486C-A8C5-ECC9F3942E4B}">
+                <a14:imgProps xmlns:a14="http://schemas.microsoft.com/office/drawing/2010/main">
+                  <a14:imgLayer r:embed="rId9">
+                    <a14:imgEffect>
+                      <a14:brightnessContrast bright="-40000" contrast="-40000"/>
+                    </a14:imgEffect>
+                  </a14:imgLayer>
+                </a14:imgProps>
+              </a:ext>
               <a:ext uri="{28A0092B-C50C-407E-A947-70E740481C1C}">
                 <a14:useLocalDpi xmlns:a14="http://schemas.microsoft.com/office/drawing/2010/main" val="0"/>
               </a:ext>
@@ -4360,7 +4283,7 @@
         </p:blipFill>
         <p:spPr>
           <a:xfrm>
-            <a:off x="6055195" y="392796"/>
+            <a:off x="6096000" y="1406473"/>
             <a:ext cx="369457" cy="369457"/>
           </a:xfrm>
           <a:prstGeom prst="rect">
@@ -4383,8 +4306,24 @@
           <p:nvPr/>
         </p:nvPicPr>
         <p:blipFill>
-          <a:blip r:embed="rId7">
-            <a:extLst>
+          <a:blip r:embed="rId10">
+            <a:duotone>
+              <a:prstClr val="black"/>
+              <a:srgbClr val="AD070C">
+                <a:tint val="45000"/>
+                <a:satMod val="400000"/>
+              </a:srgbClr>
+            </a:duotone>
+            <a:extLst>
+              <a:ext uri="{BEBA8EAE-BF5A-486C-A8C5-ECC9F3942E4B}">
+                <a14:imgProps xmlns:a14="http://schemas.microsoft.com/office/drawing/2010/main">
+                  <a14:imgLayer r:embed="rId11">
+                    <a14:imgEffect>
+                      <a14:brightnessContrast bright="-40000" contrast="-40000"/>
+                    </a14:imgEffect>
+                  </a14:imgLayer>
+                </a14:imgProps>
+              </a:ext>
               <a:ext uri="{28A0092B-C50C-407E-A947-70E740481C1C}">
                 <a14:useLocalDpi xmlns:a14="http://schemas.microsoft.com/office/drawing/2010/main" val="0"/>
               </a:ext>
@@ -4396,7 +4335,7 @@
         </p:blipFill>
         <p:spPr>
           <a:xfrm>
-            <a:off x="8124532" y="392796"/>
+            <a:off x="8163437" y="1395484"/>
             <a:ext cx="397163" cy="397163"/>
           </a:xfrm>
           <a:prstGeom prst="rect">
@@ -4419,8 +4358,24 @@
           <p:nvPr/>
         </p:nvPicPr>
         <p:blipFill>
-          <a:blip r:embed="rId8">
-            <a:extLst>
+          <a:blip r:embed="rId12">
+            <a:duotone>
+              <a:prstClr val="black"/>
+              <a:srgbClr val="AD070C">
+                <a:tint val="45000"/>
+                <a:satMod val="400000"/>
+              </a:srgbClr>
+            </a:duotone>
+            <a:extLst>
+              <a:ext uri="{BEBA8EAE-BF5A-486C-A8C5-ECC9F3942E4B}">
+                <a14:imgProps xmlns:a14="http://schemas.microsoft.com/office/drawing/2010/main">
+                  <a14:imgLayer r:embed="rId13">
+                    <a14:imgEffect>
+                      <a14:brightnessContrast bright="-40000" contrast="-40000"/>
+                    </a14:imgEffect>
+                  </a14:imgLayer>
+                </a14:imgProps>
+              </a:ext>
               <a:ext uri="{28A0092B-C50C-407E-A947-70E740481C1C}">
                 <a14:useLocalDpi xmlns:a14="http://schemas.microsoft.com/office/drawing/2010/main" val="0"/>
               </a:ext>
@@ -4432,7 +4387,7 @@
         </p:blipFill>
         <p:spPr>
           <a:xfrm>
-            <a:off x="10233924" y="374323"/>
+            <a:off x="10276890" y="1390015"/>
             <a:ext cx="394403" cy="394403"/>
           </a:xfrm>
           <a:prstGeom prst="rect">
@@ -4440,6 +4395,292 @@
           </a:prstGeom>
         </p:spPr>
       </p:pic>
+      <p:sp>
+        <p:nvSpPr>
+          <p:cNvPr id="10" name="Retângulo 9">
+            <a:extLst>
+              <a:ext uri="{FF2B5EF4-FFF2-40B4-BE49-F238E27FC236}">
+                <a16:creationId xmlns:a16="http://schemas.microsoft.com/office/drawing/2014/main" id="{EF77D16A-AA2B-46D4-AA44-3C858DF72AE7}"/>
+              </a:ext>
+            </a:extLst>
+          </p:cNvPr>
+          <p:cNvSpPr/>
+          <p:nvPr/>
+        </p:nvSpPr>
+        <p:spPr>
+          <a:xfrm>
+            <a:off x="0" y="0"/>
+            <a:ext cx="12192000" cy="1185586"/>
+          </a:xfrm>
+          <a:prstGeom prst="rect">
+            <a:avLst/>
+          </a:prstGeom>
+          <a:solidFill>
+            <a:srgbClr val="63523A"/>
+          </a:solidFill>
+          <a:ln>
+            <a:solidFill>
+              <a:srgbClr val="63523A"/>
+            </a:solidFill>
+          </a:ln>
+        </p:spPr>
+        <p:style>
+          <a:lnRef idx="2">
+            <a:schemeClr val="accent1">
+              <a:shade val="50000"/>
+            </a:schemeClr>
+          </a:lnRef>
+          <a:fillRef idx="1">
+            <a:schemeClr val="accent1"/>
+          </a:fillRef>
+          <a:effectRef idx="0">
+            <a:schemeClr val="accent1"/>
+          </a:effectRef>
+          <a:fontRef idx="minor">
+            <a:schemeClr val="lt1"/>
+          </a:fontRef>
+        </p:style>
+        <p:txBody>
+          <a:bodyPr rtlCol="0" anchor="ctr"/>
+          <a:lstStyle/>
+          <a:p>
+            <a:pPr algn="ctr"/>
+            <a:endParaRPr lang="pt-BR"/>
+          </a:p>
+        </p:txBody>
+      </p:sp>
+      <p:pic>
+        <p:nvPicPr>
+          <p:cNvPr id="12" name="Imagem 11">
+            <a:extLst>
+              <a:ext uri="{FF2B5EF4-FFF2-40B4-BE49-F238E27FC236}">
+                <a16:creationId xmlns:a16="http://schemas.microsoft.com/office/drawing/2014/main" id="{9FE9140C-F3E5-461B-8344-88A960B708BC}"/>
+              </a:ext>
+            </a:extLst>
+          </p:cNvPr>
+          <p:cNvPicPr>
+            <a:picLocks noChangeAspect="1"/>
+          </p:cNvPicPr>
+          <p:nvPr/>
+        </p:nvPicPr>
+        <p:blipFill>
+          <a:blip r:embed="rId14">
+            <a:extLst>
+              <a:ext uri="{28A0092B-C50C-407E-A947-70E740481C1C}">
+                <a14:useLocalDpi xmlns:a14="http://schemas.microsoft.com/office/drawing/2010/main" val="0"/>
+              </a:ext>
+            </a:extLst>
+          </a:blip>
+          <a:stretch>
+            <a:fillRect/>
+          </a:stretch>
+        </p:blipFill>
+        <p:spPr>
+          <a:xfrm>
+            <a:off x="106923" y="306256"/>
+            <a:ext cx="1749704" cy="573074"/>
+          </a:xfrm>
+          <a:prstGeom prst="rect">
+            <a:avLst/>
+          </a:prstGeom>
+        </p:spPr>
+      </p:pic>
+      <p:sp>
+        <p:nvSpPr>
+          <p:cNvPr id="15" name="CaixaDeTexto 14">
+            <a:extLst>
+              <a:ext uri="{FF2B5EF4-FFF2-40B4-BE49-F238E27FC236}">
+                <a16:creationId xmlns:a16="http://schemas.microsoft.com/office/drawing/2014/main" id="{D5AFF6B2-80DC-4981-8502-03E2FA63C744}"/>
+              </a:ext>
+            </a:extLst>
+          </p:cNvPr>
+          <p:cNvSpPr txBox="1"/>
+          <p:nvPr/>
+        </p:nvSpPr>
+        <p:spPr>
+          <a:xfrm>
+            <a:off x="3423557" y="232999"/>
+            <a:ext cx="5344886" cy="646331"/>
+          </a:xfrm>
+          <a:prstGeom prst="rect">
+            <a:avLst/>
+          </a:prstGeom>
+          <a:noFill/>
+        </p:spPr>
+        <p:txBody>
+          <a:bodyPr wrap="square" rtlCol="0">
+            <a:spAutoFit/>
+          </a:bodyPr>
+          <a:lstStyle/>
+          <a:p>
+            <a:pPr algn="ctr"/>
+            <a:r>
+              <a:rPr lang="pt-BR" sz="3600" b="1" dirty="0">
+                <a:solidFill>
+                  <a:schemeClr val="bg1"/>
+                </a:solidFill>
+              </a:rPr>
+              <a:t>DASHBOARD DE PROJETOS</a:t>
+            </a:r>
+          </a:p>
+        </p:txBody>
+      </p:sp>
+      <p:sp>
+        <p:nvSpPr>
+          <p:cNvPr id="17" name="Retângulo: Cantos Arredondados 16">
+            <a:extLst>
+              <a:ext uri="{FF2B5EF4-FFF2-40B4-BE49-F238E27FC236}">
+                <a16:creationId xmlns:a16="http://schemas.microsoft.com/office/drawing/2014/main" id="{C9142205-E567-4AA2-875D-DB73E532510D}"/>
+              </a:ext>
+            </a:extLst>
+          </p:cNvPr>
+          <p:cNvSpPr/>
+          <p:nvPr/>
+        </p:nvSpPr>
+        <p:spPr>
+          <a:xfrm>
+            <a:off x="258726" y="2090057"/>
+            <a:ext cx="5837274" cy="2013857"/>
+          </a:xfrm>
+          <a:prstGeom prst="roundRect">
+            <a:avLst/>
+          </a:prstGeom>
+          <a:noFill/>
+          <a:ln w="38100">
+            <a:solidFill>
+              <a:srgbClr val="63523A"/>
+            </a:solidFill>
+          </a:ln>
+        </p:spPr>
+        <p:style>
+          <a:lnRef idx="2">
+            <a:schemeClr val="accent1">
+              <a:shade val="50000"/>
+            </a:schemeClr>
+          </a:lnRef>
+          <a:fillRef idx="1">
+            <a:schemeClr val="accent1"/>
+          </a:fillRef>
+          <a:effectRef idx="0">
+            <a:schemeClr val="accent1"/>
+          </a:effectRef>
+          <a:fontRef idx="minor">
+            <a:schemeClr val="lt1"/>
+          </a:fontRef>
+        </p:style>
+        <p:txBody>
+          <a:bodyPr rtlCol="0" anchor="ctr"/>
+          <a:lstStyle/>
+          <a:p>
+            <a:pPr algn="ctr"/>
+            <a:endParaRPr lang="pt-BR"/>
+          </a:p>
+        </p:txBody>
+      </p:sp>
+      <p:sp>
+        <p:nvSpPr>
+          <p:cNvPr id="27" name="Retângulo: Cantos Arredondados 26">
+            <a:extLst>
+              <a:ext uri="{FF2B5EF4-FFF2-40B4-BE49-F238E27FC236}">
+                <a16:creationId xmlns:a16="http://schemas.microsoft.com/office/drawing/2014/main" id="{47874315-80A3-4478-9D37-C16ECF0A0B68}"/>
+              </a:ext>
+            </a:extLst>
+          </p:cNvPr>
+          <p:cNvSpPr/>
+          <p:nvPr/>
+        </p:nvSpPr>
+        <p:spPr>
+          <a:xfrm>
+            <a:off x="258726" y="4306758"/>
+            <a:ext cx="5837274" cy="2013857"/>
+          </a:xfrm>
+          <a:prstGeom prst="roundRect">
+            <a:avLst/>
+          </a:prstGeom>
+          <a:noFill/>
+          <a:ln w="38100">
+            <a:solidFill>
+              <a:srgbClr val="63523A"/>
+            </a:solidFill>
+          </a:ln>
+        </p:spPr>
+        <p:style>
+          <a:lnRef idx="2">
+            <a:schemeClr val="accent1">
+              <a:shade val="50000"/>
+            </a:schemeClr>
+          </a:lnRef>
+          <a:fillRef idx="1">
+            <a:schemeClr val="accent1"/>
+          </a:fillRef>
+          <a:effectRef idx="0">
+            <a:schemeClr val="accent1"/>
+          </a:effectRef>
+          <a:fontRef idx="minor">
+            <a:schemeClr val="lt1"/>
+          </a:fontRef>
+        </p:style>
+        <p:txBody>
+          <a:bodyPr rtlCol="0" anchor="ctr"/>
+          <a:lstStyle/>
+          <a:p>
+            <a:pPr algn="ctr"/>
+            <a:endParaRPr lang="pt-BR"/>
+          </a:p>
+        </p:txBody>
+      </p:sp>
+      <p:sp>
+        <p:nvSpPr>
+          <p:cNvPr id="29" name="Retângulo: Cantos Arredondados 28">
+            <a:extLst>
+              <a:ext uri="{FF2B5EF4-FFF2-40B4-BE49-F238E27FC236}">
+                <a16:creationId xmlns:a16="http://schemas.microsoft.com/office/drawing/2014/main" id="{D167124B-563A-4C2E-B41A-5B351CD3F18C}"/>
+              </a:ext>
+            </a:extLst>
+          </p:cNvPr>
+          <p:cNvSpPr/>
+          <p:nvPr/>
+        </p:nvSpPr>
+        <p:spPr>
+          <a:xfrm>
+            <a:off x="6281057" y="2090057"/>
+            <a:ext cx="5733904" cy="4230558"/>
+          </a:xfrm>
+          <a:prstGeom prst="roundRect">
+            <a:avLst/>
+          </a:prstGeom>
+          <a:noFill/>
+          <a:ln w="38100">
+            <a:solidFill>
+              <a:srgbClr val="63523A"/>
+            </a:solidFill>
+          </a:ln>
+        </p:spPr>
+        <p:style>
+          <a:lnRef idx="2">
+            <a:schemeClr val="accent1">
+              <a:shade val="50000"/>
+            </a:schemeClr>
+          </a:lnRef>
+          <a:fillRef idx="1">
+            <a:schemeClr val="accent1"/>
+          </a:fillRef>
+          <a:effectRef idx="0">
+            <a:schemeClr val="accent1"/>
+          </a:effectRef>
+          <a:fontRef idx="minor">
+            <a:schemeClr val="lt1"/>
+          </a:fontRef>
+        </p:style>
+        <p:txBody>
+          <a:bodyPr rtlCol="0" anchor="ctr"/>
+          <a:lstStyle/>
+          <a:p>
+            <a:pPr algn="ctr"/>
+            <a:endParaRPr lang="pt-BR"/>
+          </a:p>
+        </p:txBody>
+      </p:sp>
     </p:spTree>
     <p:extLst>
       <p:ext uri="{BB962C8B-B14F-4D97-AF65-F5344CB8AC3E}">
@@ -4472,90 +4713,58 @@
       </p:grpSpPr>
       <p:sp>
         <p:nvSpPr>
-          <p:cNvPr id="2" name="Título 1">
-            <a:extLst>
-              <a:ext uri="{FF2B5EF4-FFF2-40B4-BE49-F238E27FC236}">
-                <a16:creationId xmlns:a16="http://schemas.microsoft.com/office/drawing/2014/main" id="{C2EB21EA-4862-4991-B941-A66CBCDF4020}"/>
-              </a:ext>
-            </a:extLst>
-          </p:cNvPr>
-          <p:cNvSpPr>
-            <a:spLocks noGrp="1"/>
-          </p:cNvSpPr>
-          <p:nvPr>
-            <p:ph type="ctrTitle"/>
-          </p:nvPr>
-        </p:nvSpPr>
-        <p:spPr/>
-        <p:txBody>
-          <a:bodyPr/>
-          <a:lstStyle/>
-          <a:p>
-            <a:endParaRPr lang="pt-BR"/>
-          </a:p>
-        </p:txBody>
-      </p:sp>
-      <p:sp>
-        <p:nvSpPr>
-          <p:cNvPr id="3" name="Subtítulo 2">
-            <a:extLst>
-              <a:ext uri="{FF2B5EF4-FFF2-40B4-BE49-F238E27FC236}">
-                <a16:creationId xmlns:a16="http://schemas.microsoft.com/office/drawing/2014/main" id="{D3C857F3-BD52-4AD6-B828-7F3B5F6EE80D}"/>
-              </a:ext>
-            </a:extLst>
-          </p:cNvPr>
-          <p:cNvSpPr>
-            <a:spLocks noGrp="1"/>
-          </p:cNvSpPr>
-          <p:nvPr>
-            <p:ph type="subTitle" idx="1"/>
-          </p:nvPr>
-        </p:nvSpPr>
-        <p:spPr/>
-        <p:txBody>
-          <a:bodyPr/>
-          <a:lstStyle/>
-          <a:p>
-            <a:endParaRPr lang="pt-BR"/>
-          </a:p>
-        </p:txBody>
-      </p:sp>
-      <p:pic>
-        <p:nvPicPr>
-          <p:cNvPr id="5" name="Imagem 4">
-            <a:extLst>
-              <a:ext uri="{FF2B5EF4-FFF2-40B4-BE49-F238E27FC236}">
-                <a16:creationId xmlns:a16="http://schemas.microsoft.com/office/drawing/2014/main" id="{7977A1DE-0557-41F9-AE9D-E56D845E2393}"/>
-              </a:ext>
-            </a:extLst>
-          </p:cNvPr>
-          <p:cNvPicPr>
-            <a:picLocks noChangeAspect="1"/>
-          </p:cNvPicPr>
+          <p:cNvPr id="4" name="Retângulo 3">
+            <a:extLst>
+              <a:ext uri="{FF2B5EF4-FFF2-40B4-BE49-F238E27FC236}">
+                <a16:creationId xmlns:a16="http://schemas.microsoft.com/office/drawing/2014/main" id="{DBD53612-4ED5-400A-BFE5-D827CFF312A9}"/>
+              </a:ext>
+            </a:extLst>
+          </p:cNvPr>
+          <p:cNvSpPr/>
           <p:nvPr/>
-        </p:nvPicPr>
-        <p:blipFill>
-          <a:blip r:embed="rId2">
-            <a:extLst>
-              <a:ext uri="{28A0092B-C50C-407E-A947-70E740481C1C}">
-                <a14:useLocalDpi xmlns:a14="http://schemas.microsoft.com/office/drawing/2010/main" val="0"/>
-              </a:ext>
-            </a:extLst>
-          </a:blip>
-          <a:stretch>
-            <a:fillRect/>
-          </a:stretch>
-        </p:blipFill>
+        </p:nvSpPr>
         <p:spPr>
           <a:xfrm>
-            <a:off x="1521323" y="0"/>
+            <a:off x="1524000" y="0"/>
             <a:ext cx="9144000" cy="6858000"/>
           </a:xfrm>
           <a:prstGeom prst="rect">
             <a:avLst/>
           </a:prstGeom>
+          <a:solidFill>
+            <a:srgbClr val="F5EDC7"/>
+          </a:solidFill>
+          <a:ln>
+            <a:solidFill>
+              <a:srgbClr val="E5D7AD"/>
+            </a:solidFill>
+          </a:ln>
         </p:spPr>
-      </p:pic>
+        <p:style>
+          <a:lnRef idx="2">
+            <a:schemeClr val="accent1">
+              <a:shade val="50000"/>
+            </a:schemeClr>
+          </a:lnRef>
+          <a:fillRef idx="1">
+            <a:schemeClr val="accent1"/>
+          </a:fillRef>
+          <a:effectRef idx="0">
+            <a:schemeClr val="accent1"/>
+          </a:effectRef>
+          <a:fontRef idx="minor">
+            <a:schemeClr val="lt1"/>
+          </a:fontRef>
+        </p:style>
+        <p:txBody>
+          <a:bodyPr rtlCol="0" anchor="ctr"/>
+          <a:lstStyle/>
+          <a:p>
+            <a:pPr algn="ctr"/>
+            <a:endParaRPr lang="pt-BR"/>
+          </a:p>
+        </p:txBody>
+      </p:sp>
     </p:spTree>
     <p:extLst>
       <p:ext uri="{BB962C8B-B14F-4D97-AF65-F5344CB8AC3E}">
